--- a/courses/slides/introduction.pptx
+++ b/courses/slides/introduction.pptx
@@ -280,11 +280,11 @@
           <c:showBubbleSize val="0"/>
         </c:dLbls>
         <c:gapWidth val="150"/>
-        <c:axId val="-2138542344"/>
-        <c:axId val="-2138539400"/>
+        <c:axId val="-2120497176"/>
+        <c:axId val="-2120494200"/>
       </c:barChart>
       <c:catAx>
-        <c:axId val="-2138542344"/>
+        <c:axId val="-2120497176"/>
         <c:scaling>
           <c:orientation val="minMax"/>
         </c:scaling>
@@ -293,7 +293,7 @@
         <c:majorTickMark val="out"/>
         <c:minorTickMark val="none"/>
         <c:tickLblPos val="nextTo"/>
-        <c:crossAx val="-2138539400"/>
+        <c:crossAx val="-2120494200"/>
         <c:crosses val="autoZero"/>
         <c:auto val="1"/>
         <c:lblAlgn val="ctr"/>
@@ -301,7 +301,7 @@
         <c:noMultiLvlLbl val="0"/>
       </c:catAx>
       <c:valAx>
-        <c:axId val="-2138539400"/>
+        <c:axId val="-2120494200"/>
         <c:scaling>
           <c:orientation val="minMax"/>
         </c:scaling>
@@ -312,14 +312,13 @@
         <c:majorTickMark val="out"/>
         <c:minorTickMark val="none"/>
         <c:tickLblPos val="nextTo"/>
-        <c:crossAx val="-2138542344"/>
+        <c:crossAx val="-2120497176"/>
         <c:crosses val="autoZero"/>
         <c:crossBetween val="between"/>
       </c:valAx>
     </c:plotArea>
     <c:legend>
       <c:legendPos val="r"/>
-      <c:layout/>
       <c:overlay val="0"/>
     </c:legend>
     <c:plotVisOnly val="1"/>
@@ -424,7 +423,7 @@
           <a:p>
             <a:fld id="{955BAE0B-C6E5-3F4C-9A6C-E54D04EA845A}" type="datetimeFigureOut">
               <a:rPr lang="en-US" smtClean="0"/>
-              <a:t>8/26/14</a:t>
+              <a:t>8/27/14</a:t>
             </a:fld>
             <a:endParaRPr lang="en-US"/>
           </a:p>
@@ -3663,7 +3662,7 @@
           <a:p>
             <a:fld id="{09BCD983-D9DE-A849-AC70-727A9AE55B22}" type="datetimeFigureOut">
               <a:rPr lang="en-US" smtClean="0"/>
-              <a:t>8/26/14</a:t>
+              <a:t>8/27/14</a:t>
             </a:fld>
             <a:endParaRPr lang="en-US"/>
           </a:p>
@@ -3833,7 +3832,7 @@
           <a:p>
             <a:fld id="{09BCD983-D9DE-A849-AC70-727A9AE55B22}" type="datetimeFigureOut">
               <a:rPr lang="en-US" smtClean="0"/>
-              <a:t>8/26/14</a:t>
+              <a:t>8/27/14</a:t>
             </a:fld>
             <a:endParaRPr lang="en-US"/>
           </a:p>
@@ -4013,7 +4012,7 @@
           <a:p>
             <a:fld id="{09BCD983-D9DE-A849-AC70-727A9AE55B22}" type="datetimeFigureOut">
               <a:rPr lang="en-US" smtClean="0"/>
-              <a:t>8/26/14</a:t>
+              <a:t>8/27/14</a:t>
             </a:fld>
             <a:endParaRPr lang="en-US"/>
           </a:p>
@@ -4183,7 +4182,7 @@
           <a:p>
             <a:fld id="{09BCD983-D9DE-A849-AC70-727A9AE55B22}" type="datetimeFigureOut">
               <a:rPr lang="en-US" smtClean="0"/>
-              <a:t>8/26/14</a:t>
+              <a:t>8/27/14</a:t>
             </a:fld>
             <a:endParaRPr lang="en-US"/>
           </a:p>
@@ -4429,7 +4428,7 @@
           <a:p>
             <a:fld id="{09BCD983-D9DE-A849-AC70-727A9AE55B22}" type="datetimeFigureOut">
               <a:rPr lang="en-US" smtClean="0"/>
-              <a:t>8/26/14</a:t>
+              <a:t>8/27/14</a:t>
             </a:fld>
             <a:endParaRPr lang="en-US"/>
           </a:p>
@@ -4717,7 +4716,7 @@
           <a:p>
             <a:fld id="{09BCD983-D9DE-A849-AC70-727A9AE55B22}" type="datetimeFigureOut">
               <a:rPr lang="en-US" smtClean="0"/>
-              <a:t>8/26/14</a:t>
+              <a:t>8/27/14</a:t>
             </a:fld>
             <a:endParaRPr lang="en-US"/>
           </a:p>
@@ -5139,7 +5138,7 @@
           <a:p>
             <a:fld id="{09BCD983-D9DE-A849-AC70-727A9AE55B22}" type="datetimeFigureOut">
               <a:rPr lang="en-US" smtClean="0"/>
-              <a:t>8/26/14</a:t>
+              <a:t>8/27/14</a:t>
             </a:fld>
             <a:endParaRPr lang="en-US"/>
           </a:p>
@@ -5257,7 +5256,7 @@
           <a:p>
             <a:fld id="{09BCD983-D9DE-A849-AC70-727A9AE55B22}" type="datetimeFigureOut">
               <a:rPr lang="en-US" smtClean="0"/>
-              <a:t>8/26/14</a:t>
+              <a:t>8/27/14</a:t>
             </a:fld>
             <a:endParaRPr lang="en-US"/>
           </a:p>
@@ -5352,7 +5351,7 @@
           <a:p>
             <a:fld id="{09BCD983-D9DE-A849-AC70-727A9AE55B22}" type="datetimeFigureOut">
               <a:rPr lang="en-US" smtClean="0"/>
-              <a:t>8/26/14</a:t>
+              <a:t>8/27/14</a:t>
             </a:fld>
             <a:endParaRPr lang="en-US"/>
           </a:p>
@@ -5629,7 +5628,7 @@
           <a:p>
             <a:fld id="{09BCD983-D9DE-A849-AC70-727A9AE55B22}" type="datetimeFigureOut">
               <a:rPr lang="en-US" smtClean="0"/>
-              <a:t>8/26/14</a:t>
+              <a:t>8/27/14</a:t>
             </a:fld>
             <a:endParaRPr lang="en-US"/>
           </a:p>
@@ -5882,7 +5881,7 @@
           <a:p>
             <a:fld id="{09BCD983-D9DE-A849-AC70-727A9AE55B22}" type="datetimeFigureOut">
               <a:rPr lang="en-US" smtClean="0"/>
-              <a:t>8/26/14</a:t>
+              <a:t>8/27/14</a:t>
             </a:fld>
             <a:endParaRPr lang="en-US"/>
           </a:p>
@@ -6095,7 +6094,7 @@
           <a:p>
             <a:fld id="{09BCD983-D9DE-A849-AC70-727A9AE55B22}" type="datetimeFigureOut">
               <a:rPr lang="en-US" smtClean="0"/>
-              <a:t>8/26/14</a:t>
+              <a:t>8/27/14</a:t>
             </a:fld>
             <a:endParaRPr lang="en-US"/>
           </a:p>
